--- a/EDA of health and population growth_AW_LC.pptx
+++ b/EDA of health and population growth_AW_LC.pptx
@@ -7529,70 +7529,27 @@
         </p:nvSpPr>
         <p:spPr>
           <a:xfrm>
-            <a:off x="4267200" y="1615736"/>
+            <a:off x="4759084" y="2353562"/>
             <a:ext cx="4179570" cy="1524735"/>
           </a:xfrm>
         </p:spPr>
         <p:txBody>
-          <a:bodyPr/>
+          <a:bodyPr anchor="t"/>
           <a:lstStyle/>
           <a:p>
             <a:r>
               <a:rPr lang="en-US" dirty="0"/>
-              <a:t>THANK YOU</a:t>
-            </a:r>
-          </a:p>
-        </p:txBody>
-      </p:sp>
-      <p:sp>
-        <p:nvSpPr>
-          <p:cNvPr id="3" name="Subtitle 2">
-            <a:extLst>
-              <a:ext uri="{FF2B5EF4-FFF2-40B4-BE49-F238E27FC236}">
-                <a16:creationId xmlns:a16="http://schemas.microsoft.com/office/drawing/2014/main" id="{AF64C29E-DF30-4DC6-AB95-2016F9A703B6}"/>
-              </a:ext>
-            </a:extLst>
-          </p:cNvPr>
-          <p:cNvSpPr>
-            <a:spLocks noGrp="1"/>
-          </p:cNvSpPr>
-          <p:nvPr>
-            <p:ph type="subTitle" idx="1"/>
-          </p:nvPr>
-        </p:nvSpPr>
-        <p:spPr>
-          <a:xfrm>
-            <a:off x="4267200" y="3238103"/>
-            <a:ext cx="4179570" cy="2850181"/>
-          </a:xfrm>
-        </p:spPr>
-        <p:txBody>
-          <a:bodyPr>
-            <a:noAutofit/>
-          </a:bodyPr>
-          <a:lstStyle/>
-          <a:p>
-            <a:r>
-              <a:rPr lang="en-US" dirty="0"/>
-              <a:t>Brita Tamm</a:t>
-            </a:r>
-          </a:p>
-          <a:p>
-            <a:r>
-              <a:rPr lang="en-US" dirty="0"/>
-              <a:t>502-555-0152</a:t>
-            </a:r>
-          </a:p>
-          <a:p>
-            <a:r>
-              <a:rPr lang="en-US" dirty="0"/>
-              <a:t>brita@firstupconsultants.com</a:t>
-            </a:r>
-          </a:p>
-          <a:p>
-            <a:r>
-              <a:rPr lang="en-US" dirty="0"/>
-              <a:t>www.firstupconsultants.com</a:t>
+              <a:t>Questions?</a:t>
+            </a:r>
+            <a:br>
+              <a:rPr lang="en-US" dirty="0"/>
+            </a:br>
+            <a:br>
+              <a:rPr lang="en-US" dirty="0"/>
+            </a:br>
+            <a:r>
+              <a:rPr lang="en-US" dirty="0"/>
+              <a:t>Comments?</a:t>
             </a:r>
           </a:p>
         </p:txBody>
@@ -7713,7 +7670,7 @@
         </p:nvSpPr>
         <p:spPr>
           <a:xfrm>
-            <a:off x="138775" y="699968"/>
+            <a:off x="100939" y="699968"/>
             <a:ext cx="4553148" cy="4745095"/>
           </a:xfrm>
         </p:spPr>
@@ -7884,6 +7841,83 @@
           </a:p>
         </p:txBody>
       </p:sp>
+      <p:pic>
+        <p:nvPicPr>
+          <p:cNvPr id="7" name="Picture 6" descr="A map of countries/regions with green borders&#10;&#10;Description automatically generated">
+            <a:extLst>
+              <a:ext uri="{FF2B5EF4-FFF2-40B4-BE49-F238E27FC236}">
+                <a16:creationId xmlns:a16="http://schemas.microsoft.com/office/drawing/2014/main" id="{24D485A1-0B56-AD89-826E-FB26146716EC}"/>
+              </a:ext>
+            </a:extLst>
+          </p:cNvPr>
+          <p:cNvPicPr>
+            <a:picLocks noChangeAspect="1"/>
+          </p:cNvPicPr>
+          <p:nvPr/>
+        </p:nvPicPr>
+        <p:blipFill>
+          <a:blip r:embed="rId3"/>
+          <a:stretch>
+            <a:fillRect/>
+          </a:stretch>
+        </p:blipFill>
+        <p:spPr>
+          <a:xfrm>
+            <a:off x="5946268" y="417214"/>
+            <a:ext cx="5484002" cy="3306833"/>
+          </a:xfrm>
+          <a:prstGeom prst="rect">
+            <a:avLst/>
+          </a:prstGeom>
+          <a:ln w="19050">
+            <a:solidFill>
+              <a:srgbClr val="FF0000"/>
+            </a:solidFill>
+          </a:ln>
+          <a:scene3d>
+            <a:camera prst="perspectiveHeroicExtremeLeftFacing"/>
+            <a:lightRig rig="threePt" dir="t"/>
+          </a:scene3d>
+        </p:spPr>
+      </p:pic>
+      <p:pic>
+        <p:nvPicPr>
+          <p:cNvPr id="9" name="Picture 8" descr="A map of the world&#10;&#10;Description automatically generated">
+            <a:extLst>
+              <a:ext uri="{FF2B5EF4-FFF2-40B4-BE49-F238E27FC236}">
+                <a16:creationId xmlns:a16="http://schemas.microsoft.com/office/drawing/2014/main" id="{C9D9035A-7C95-6947-2CA4-5A57BD5BFBCB}"/>
+              </a:ext>
+            </a:extLst>
+          </p:cNvPr>
+          <p:cNvPicPr>
+            <a:picLocks noChangeAspect="1"/>
+          </p:cNvPicPr>
+          <p:nvPr/>
+        </p:nvPicPr>
+        <p:blipFill>
+          <a:blip r:embed="rId4"/>
+          <a:srcRect l="9305" t="31704" r="58055" b="19308"/>
+          <a:stretch/>
+        </p:blipFill>
+        <p:spPr>
+          <a:xfrm>
+            <a:off x="5235787" y="2923502"/>
+            <a:ext cx="3183466" cy="3359573"/>
+          </a:xfrm>
+          <a:prstGeom prst="rect">
+            <a:avLst/>
+          </a:prstGeom>
+          <a:ln w="28575">
+            <a:solidFill>
+              <a:srgbClr val="FF0000"/>
+            </a:solidFill>
+          </a:ln>
+          <a:scene3d>
+            <a:camera prst="perspectiveContrastingLeftFacing"/>
+            <a:lightRig rig="threePt" dir="t"/>
+          </a:scene3d>
+        </p:spPr>
+      </p:pic>
     </p:spTree>
     <p:extLst>
       <p:ext uri="{BB962C8B-B14F-4D97-AF65-F5344CB8AC3E}">
@@ -7894,6 +7928,218 @@
   <p:clrMapOvr>
     <a:masterClrMapping/>
   </p:clrMapOvr>
+  <p:timing>
+    <p:tnLst>
+      <p:par>
+        <p:cTn id="1" dur="indefinite" restart="never" nodeType="tmRoot">
+          <p:childTnLst>
+            <p:seq concurrent="1" nextAc="seek">
+              <p:cTn id="2" dur="indefinite" nodeType="mainSeq">
+                <p:childTnLst>
+                  <p:par>
+                    <p:cTn id="3" fill="hold">
+                      <p:stCondLst>
+                        <p:cond delay="indefinite"/>
+                      </p:stCondLst>
+                      <p:childTnLst>
+                        <p:par>
+                          <p:cTn id="4" fill="hold">
+                            <p:stCondLst>
+                              <p:cond delay="0"/>
+                            </p:stCondLst>
+                            <p:childTnLst>
+                              <p:par>
+                                <p:cTn id="5" presetID="2" presetClass="entr" presetSubtype="4" fill="hold" nodeType="clickEffect">
+                                  <p:stCondLst>
+                                    <p:cond delay="0"/>
+                                  </p:stCondLst>
+                                  <p:childTnLst>
+                                    <p:set>
+                                      <p:cBhvr>
+                                        <p:cTn id="6" dur="1" fill="hold">
+                                          <p:stCondLst>
+                                            <p:cond delay="0"/>
+                                          </p:stCondLst>
+                                        </p:cTn>
+                                        <p:tgtEl>
+                                          <p:spTgt spid="7"/>
+                                        </p:tgtEl>
+                                        <p:attrNameLst>
+                                          <p:attrName>style.visibility</p:attrName>
+                                        </p:attrNameLst>
+                                      </p:cBhvr>
+                                      <p:to>
+                                        <p:strVal val="visible"/>
+                                      </p:to>
+                                    </p:set>
+                                    <p:anim calcmode="lin" valueType="num">
+                                      <p:cBhvr additive="base">
+                                        <p:cTn id="7" dur="500" fill="hold"/>
+                                        <p:tgtEl>
+                                          <p:spTgt spid="7"/>
+                                        </p:tgtEl>
+                                        <p:attrNameLst>
+                                          <p:attrName>ppt_x</p:attrName>
+                                        </p:attrNameLst>
+                                      </p:cBhvr>
+                                      <p:tavLst>
+                                        <p:tav tm="0">
+                                          <p:val>
+                                            <p:strVal val="#ppt_x"/>
+                                          </p:val>
+                                        </p:tav>
+                                        <p:tav tm="100000">
+                                          <p:val>
+                                            <p:strVal val="#ppt_x"/>
+                                          </p:val>
+                                        </p:tav>
+                                      </p:tavLst>
+                                    </p:anim>
+                                    <p:anim calcmode="lin" valueType="num">
+                                      <p:cBhvr additive="base">
+                                        <p:cTn id="8" dur="500" fill="hold"/>
+                                        <p:tgtEl>
+                                          <p:spTgt spid="7"/>
+                                        </p:tgtEl>
+                                        <p:attrNameLst>
+                                          <p:attrName>ppt_y</p:attrName>
+                                        </p:attrNameLst>
+                                      </p:cBhvr>
+                                      <p:tavLst>
+                                        <p:tav tm="0">
+                                          <p:val>
+                                            <p:strVal val="1+#ppt_h/2"/>
+                                          </p:val>
+                                        </p:tav>
+                                        <p:tav tm="100000">
+                                          <p:val>
+                                            <p:strVal val="#ppt_y"/>
+                                          </p:val>
+                                        </p:tav>
+                                      </p:tavLst>
+                                    </p:anim>
+                                  </p:childTnLst>
+                                </p:cTn>
+                              </p:par>
+                            </p:childTnLst>
+                          </p:cTn>
+                        </p:par>
+                      </p:childTnLst>
+                    </p:cTn>
+                  </p:par>
+                  <p:par>
+                    <p:cTn id="9" fill="hold">
+                      <p:stCondLst>
+                        <p:cond delay="indefinite"/>
+                      </p:stCondLst>
+                      <p:childTnLst>
+                        <p:par>
+                          <p:cTn id="10" fill="hold">
+                            <p:stCondLst>
+                              <p:cond delay="0"/>
+                            </p:stCondLst>
+                            <p:childTnLst>
+                              <p:par>
+                                <p:cTn id="11" presetID="2" presetClass="entr" presetSubtype="4" fill="hold" nodeType="clickEffect">
+                                  <p:stCondLst>
+                                    <p:cond delay="0"/>
+                                  </p:stCondLst>
+                                  <p:childTnLst>
+                                    <p:set>
+                                      <p:cBhvr>
+                                        <p:cTn id="12" dur="1" fill="hold">
+                                          <p:stCondLst>
+                                            <p:cond delay="0"/>
+                                          </p:stCondLst>
+                                        </p:cTn>
+                                        <p:tgtEl>
+                                          <p:spTgt spid="9"/>
+                                        </p:tgtEl>
+                                        <p:attrNameLst>
+                                          <p:attrName>style.visibility</p:attrName>
+                                        </p:attrNameLst>
+                                      </p:cBhvr>
+                                      <p:to>
+                                        <p:strVal val="visible"/>
+                                      </p:to>
+                                    </p:set>
+                                    <p:anim calcmode="lin" valueType="num">
+                                      <p:cBhvr additive="base">
+                                        <p:cTn id="13" dur="500" fill="hold"/>
+                                        <p:tgtEl>
+                                          <p:spTgt spid="9"/>
+                                        </p:tgtEl>
+                                        <p:attrNameLst>
+                                          <p:attrName>ppt_x</p:attrName>
+                                        </p:attrNameLst>
+                                      </p:cBhvr>
+                                      <p:tavLst>
+                                        <p:tav tm="0">
+                                          <p:val>
+                                            <p:strVal val="#ppt_x"/>
+                                          </p:val>
+                                        </p:tav>
+                                        <p:tav tm="100000">
+                                          <p:val>
+                                            <p:strVal val="#ppt_x"/>
+                                          </p:val>
+                                        </p:tav>
+                                      </p:tavLst>
+                                    </p:anim>
+                                    <p:anim calcmode="lin" valueType="num">
+                                      <p:cBhvr additive="base">
+                                        <p:cTn id="14" dur="500" fill="hold"/>
+                                        <p:tgtEl>
+                                          <p:spTgt spid="9"/>
+                                        </p:tgtEl>
+                                        <p:attrNameLst>
+                                          <p:attrName>ppt_y</p:attrName>
+                                        </p:attrNameLst>
+                                      </p:cBhvr>
+                                      <p:tavLst>
+                                        <p:tav tm="0">
+                                          <p:val>
+                                            <p:strVal val="1+#ppt_h/2"/>
+                                          </p:val>
+                                        </p:tav>
+                                        <p:tav tm="100000">
+                                          <p:val>
+                                            <p:strVal val="#ppt_y"/>
+                                          </p:val>
+                                        </p:tav>
+                                      </p:tavLst>
+                                    </p:anim>
+                                  </p:childTnLst>
+                                </p:cTn>
+                              </p:par>
+                            </p:childTnLst>
+                          </p:cTn>
+                        </p:par>
+                      </p:childTnLst>
+                    </p:cTn>
+                  </p:par>
+                </p:childTnLst>
+              </p:cTn>
+              <p:prevCondLst>
+                <p:cond evt="onPrev" delay="0">
+                  <p:tgtEl>
+                    <p:sldTgt/>
+                  </p:tgtEl>
+                </p:cond>
+              </p:prevCondLst>
+              <p:nextCondLst>
+                <p:cond evt="onNext" delay="0">
+                  <p:tgtEl>
+                    <p:sldTgt/>
+                  </p:tgtEl>
+                </p:cond>
+              </p:nextCondLst>
+            </p:seq>
+          </p:childTnLst>
+        </p:cTn>
+      </p:par>
+    </p:tnLst>
+  </p:timing>
 </p:sld>
 </file>
 
@@ -9636,6 +9882,35 @@
 </file>
 
 <file path=customXml/item1.xml><?xml version="1.0" encoding="utf-8"?>
+<?mso-contentType ?>
+<FormTemplates xmlns="http://schemas.microsoft.com/sharepoint/v3/contenttype/forms">
+  <Display>DocumentLibraryForm</Display>
+  <Edit>DocumentLibraryForm</Edit>
+  <New>DocumentLibraryForm</New>
+</FormTemplates>
+</file>
+
+<file path=customXml/item2.xml><?xml version="1.0" encoding="utf-8"?>
+<p:properties xmlns:p="http://schemas.microsoft.com/office/2006/metadata/properties" xmlns:xsi="http://www.w3.org/2001/XMLSchema-instance" xmlns:pc="http://schemas.microsoft.com/office/infopath/2007/PartnerControls">
+  <documentManagement>
+    <_ip_UnifiedCompliancePolicyUIAction xmlns="http://schemas.microsoft.com/sharepoint/v3" xsi:nil="true"/>
+    <Image xmlns="71af3243-3dd4-4a8d-8c0d-dd76da1f02a5">
+      <Url xsi:nil="true"/>
+      <Description xsi:nil="true"/>
+    </Image>
+    <Status xmlns="71af3243-3dd4-4a8d-8c0d-dd76da1f02a5">Not started</Status>
+    <Background xmlns="71af3243-3dd4-4a8d-8c0d-dd76da1f02a5">false</Background>
+    <_ip_UnifiedCompliancePolicyProperties xmlns="http://schemas.microsoft.com/sharepoint/v3" xsi:nil="true"/>
+    <ImageTagsTaxHTField xmlns="71af3243-3dd4-4a8d-8c0d-dd76da1f02a5">
+      <Terms xmlns="http://schemas.microsoft.com/office/infopath/2007/PartnerControls"/>
+    </ImageTagsTaxHTField>
+    <TaxCatchAll xmlns="230e9df3-be65-4c73-a93b-d1236ebd677e" xsi:nil="true"/>
+    <MediaServiceKeyPoints xmlns="71af3243-3dd4-4a8d-8c0d-dd76da1f02a5" xsi:nil="true"/>
+  </documentManagement>
+</p:properties>
+</file>
+
+<file path=customXml/item3.xml><?xml version="1.0" encoding="utf-8"?>
 <ct:contentTypeSchema xmlns:ct="http://schemas.microsoft.com/office/2006/metadata/contentType" xmlns:ma="http://schemas.microsoft.com/office/2006/metadata/properties/metaAttributes" ct:_="" ma:_="" ma:contentTypeName="Document" ma:contentTypeID="0x01010079F111ED35F8CC479449609E8A0923A6" ma:contentTypeVersion="28" ma:contentTypeDescription="Create a new document." ma:contentTypeScope="" ma:versionID="60f5a4f2d2b0abadcf532d48ebf9cb71">
   <xsd:schema xmlns:xsd="http://www.w3.org/2001/XMLSchema" xmlns:xs="http://www.w3.org/2001/XMLSchema" xmlns:p="http://schemas.microsoft.com/office/2006/metadata/properties" xmlns:ns1="http://schemas.microsoft.com/sharepoint/v3" xmlns:ns2="71af3243-3dd4-4a8d-8c0d-dd76da1f02a5" xmlns:ns3="16c05727-aa75-4e4a-9b5f-8a80a1165891" xmlns:ns4="230e9df3-be65-4c73-a93b-d1236ebd677e" targetNamespace="http://schemas.microsoft.com/office/2006/metadata/properties" ma:root="true" ma:fieldsID="7dd78129e6a1811f84807ad11c651531" ns1:_="" ns2:_="" ns3:_="" ns4:_="">
     <xsd:import namespace="http://schemas.microsoft.com/sharepoint/v3"/>
@@ -9947,36 +10222,27 @@
 </ct:contentTypeSchema>
 </file>
 
-<file path=customXml/item2.xml><?xml version="1.0" encoding="utf-8"?>
-<p:properties xmlns:p="http://schemas.microsoft.com/office/2006/metadata/properties" xmlns:xsi="http://www.w3.org/2001/XMLSchema-instance" xmlns:pc="http://schemas.microsoft.com/office/infopath/2007/PartnerControls">
-  <documentManagement>
-    <_ip_UnifiedCompliancePolicyUIAction xmlns="http://schemas.microsoft.com/sharepoint/v3" xsi:nil="true"/>
-    <Image xmlns="71af3243-3dd4-4a8d-8c0d-dd76da1f02a5">
-      <Url xsi:nil="true"/>
-      <Description xsi:nil="true"/>
-    </Image>
-    <Status xmlns="71af3243-3dd4-4a8d-8c0d-dd76da1f02a5">Not started</Status>
-    <Background xmlns="71af3243-3dd4-4a8d-8c0d-dd76da1f02a5">false</Background>
-    <_ip_UnifiedCompliancePolicyProperties xmlns="http://schemas.microsoft.com/sharepoint/v3" xsi:nil="true"/>
-    <ImageTagsTaxHTField xmlns="71af3243-3dd4-4a8d-8c0d-dd76da1f02a5">
-      <Terms xmlns="http://schemas.microsoft.com/office/infopath/2007/PartnerControls"/>
-    </ImageTagsTaxHTField>
-    <TaxCatchAll xmlns="230e9df3-be65-4c73-a93b-d1236ebd677e" xsi:nil="true"/>
-    <MediaServiceKeyPoints xmlns="71af3243-3dd4-4a8d-8c0d-dd76da1f02a5" xsi:nil="true"/>
-  </documentManagement>
-</p:properties>
+<file path=customXml/itemProps1.xml><?xml version="1.0" encoding="utf-8"?>
+<ds:datastoreItem xmlns:ds="http://schemas.openxmlformats.org/officeDocument/2006/customXml" ds:itemID="{CABF691C-888B-4061-8A6F-D5CE84A0254B}">
+  <ds:schemaRefs>
+    <ds:schemaRef ds:uri="http://schemas.microsoft.com/sharepoint/v3/contenttype/forms"/>
+  </ds:schemaRefs>
+</ds:datastoreItem>
 </file>
 
-<file path=customXml/item3.xml><?xml version="1.0" encoding="utf-8"?>
-<?mso-contentType ?>
-<FormTemplates xmlns="http://schemas.microsoft.com/sharepoint/v3/contenttype/forms">
-  <Display>DocumentLibraryForm</Display>
-  <Edit>DocumentLibraryForm</Edit>
-  <New>DocumentLibraryForm</New>
-</FormTemplates>
+<file path=customXml/itemProps2.xml><?xml version="1.0" encoding="utf-8"?>
+<ds:datastoreItem xmlns:ds="http://schemas.openxmlformats.org/officeDocument/2006/customXml" ds:itemID="{49168DCE-134F-4610-A6AA-88CEBE8D71D2}">
+  <ds:schemaRefs>
+    <ds:schemaRef ds:uri="http://schemas.microsoft.com/office/2006/metadata/properties"/>
+    <ds:schemaRef ds:uri="http://schemas.microsoft.com/office/infopath/2007/PartnerControls"/>
+    <ds:schemaRef ds:uri="http://schemas.microsoft.com/sharepoint/v3"/>
+    <ds:schemaRef ds:uri="71af3243-3dd4-4a8d-8c0d-dd76da1f02a5"/>
+    <ds:schemaRef ds:uri="230e9df3-be65-4c73-a93b-d1236ebd677e"/>
+  </ds:schemaRefs>
+</ds:datastoreItem>
 </file>
 
-<file path=customXml/itemProps1.xml><?xml version="1.0" encoding="utf-8"?>
+<file path=customXml/itemProps3.xml><?xml version="1.0" encoding="utf-8"?>
 <ds:datastoreItem xmlns:ds="http://schemas.openxmlformats.org/officeDocument/2006/customXml" ds:itemID="{5EDE3176-A15D-46A3-BDDB-64A0D7363224}">
   <ds:schemaRefs>
     <ds:schemaRef ds:uri="http://schemas.microsoft.com/office/2006/metadata/contentType"/>
@@ -9997,26 +10263,6 @@
 </ds:datastoreItem>
 </file>
 
-<file path=customXml/itemProps2.xml><?xml version="1.0" encoding="utf-8"?>
-<ds:datastoreItem xmlns:ds="http://schemas.openxmlformats.org/officeDocument/2006/customXml" ds:itemID="{49168DCE-134F-4610-A6AA-88CEBE8D71D2}">
-  <ds:schemaRefs>
-    <ds:schemaRef ds:uri="http://schemas.microsoft.com/office/2006/metadata/properties"/>
-    <ds:schemaRef ds:uri="http://schemas.microsoft.com/office/infopath/2007/PartnerControls"/>
-    <ds:schemaRef ds:uri="http://schemas.microsoft.com/sharepoint/v3"/>
-    <ds:schemaRef ds:uri="71af3243-3dd4-4a8d-8c0d-dd76da1f02a5"/>
-    <ds:schemaRef ds:uri="230e9df3-be65-4c73-a93b-d1236ebd677e"/>
-  </ds:schemaRefs>
-</ds:datastoreItem>
-</file>
-
-<file path=customXml/itemProps3.xml><?xml version="1.0" encoding="utf-8"?>
-<ds:datastoreItem xmlns:ds="http://schemas.openxmlformats.org/officeDocument/2006/customXml" ds:itemID="{CABF691C-888B-4061-8A6F-D5CE84A0254B}">
-  <ds:schemaRefs>
-    <ds:schemaRef ds:uri="http://schemas.microsoft.com/sharepoint/v3/contenttype/forms"/>
-  </ds:schemaRefs>
-</ds:datastoreItem>
-</file>
-
 <file path=docMetadata/LabelInfo.xml><?xml version="1.0" encoding="utf-8"?>
 <clbl:labelList xmlns:clbl="http://schemas.microsoft.com/office/2020/mipLabelMetadata"/>
 </file>